--- a/第5章-矢量数据处理及分析/选做作业四.pptx
+++ b/第5章-矢量数据处理及分析/选做作业四.pptx
@@ -7023,7 +7023,7 @@
               </a14:hiddenFill>
             </a:ext>
             <a:ext uri="{FAA26D3D-D897-4be2-8F04-BA451C77F1D7}">
-              <ma14:placeholderFlag xmlns="" xmlns:ma14="http://schemas.microsoft.com/office/mac/drawingml/2011/main" val="1"/>
+              <ma14:placeholderFlag xmlns:ma14="http://schemas.microsoft.com/office/mac/drawingml/2011/main" xmlns="" val="1"/>
             </a:ext>
           </a:extLst>
         </p:spPr>
@@ -9219,7 +9219,7 @@
               </a14:hiddenLine>
             </a:ext>
             <a:ext uri="{FAA26D3D-D897-4be2-8F04-BA451C77F1D7}">
-              <ma14:placeholderFlag xmlns="" xmlns:ma14="http://schemas.microsoft.com/office/mac/drawingml/2011/main" val="1"/>
+              <ma14:placeholderFlag xmlns:ma14="http://schemas.microsoft.com/office/mac/drawingml/2011/main" xmlns="" val="1"/>
             </a:ext>
           </a:extLst>
         </p:spPr>
@@ -12910,7 +12910,7 @@
               </a14:hiddenLine>
             </a:ext>
             <a:ext uri="{FAA26D3D-D897-4be2-8F04-BA451C77F1D7}">
-              <ma14:placeholderFlag xmlns="" xmlns:ma14="http://schemas.microsoft.com/office/mac/drawingml/2011/main" val="1"/>
+              <ma14:placeholderFlag xmlns:ma14="http://schemas.microsoft.com/office/mac/drawingml/2011/main" xmlns="" val="1"/>
             </a:ext>
           </a:extLst>
         </p:spPr>
